--- a/Data Science/DS-Day-12 R.pptx
+++ b/Data Science/DS-Day-12 R.pptx
@@ -210,7 +210,7 @@
           <a:p>
             <a:fld id="{22783AA6-C1EF-448D-A48A-EF30DCBEFCCC}" type="datetimeFigureOut">
               <a:rPr lang="en-US" smtClean="0"/>
-              <a:t>6/15/2018</a:t>
+              <a:t>6/16/2018</a:t>
             </a:fld>
             <a:endParaRPr lang="en-US"/>
           </a:p>
@@ -1742,7 +1742,7 @@
           <a:p>
             <a:fld id="{C14F4D0B-68E4-4C14-BD4D-319F9BD213A3}" type="datetimeFigureOut">
               <a:rPr lang="ru-RU" smtClean="0"/>
-              <a:t>15.06.2018</a:t>
+              <a:t>16.06.2018</a:t>
             </a:fld>
             <a:endParaRPr lang="ru-RU"/>
           </a:p>
@@ -1912,7 +1912,7 @@
           <a:p>
             <a:fld id="{C14F4D0B-68E4-4C14-BD4D-319F9BD213A3}" type="datetimeFigureOut">
               <a:rPr lang="ru-RU" smtClean="0"/>
-              <a:t>15.06.2018</a:t>
+              <a:t>16.06.2018</a:t>
             </a:fld>
             <a:endParaRPr lang="ru-RU"/>
           </a:p>
@@ -2092,7 +2092,7 @@
           <a:p>
             <a:fld id="{C14F4D0B-68E4-4C14-BD4D-319F9BD213A3}" type="datetimeFigureOut">
               <a:rPr lang="ru-RU" smtClean="0"/>
-              <a:t>15.06.2018</a:t>
+              <a:t>16.06.2018</a:t>
             </a:fld>
             <a:endParaRPr lang="ru-RU"/>
           </a:p>
@@ -2262,7 +2262,7 @@
           <a:p>
             <a:fld id="{C14F4D0B-68E4-4C14-BD4D-319F9BD213A3}" type="datetimeFigureOut">
               <a:rPr lang="ru-RU" smtClean="0"/>
-              <a:t>15.06.2018</a:t>
+              <a:t>16.06.2018</a:t>
             </a:fld>
             <a:endParaRPr lang="ru-RU"/>
           </a:p>
@@ -2513,7 +2513,7 @@
           <a:p>
             <a:fld id="{C14F4D0B-68E4-4C14-BD4D-319F9BD213A3}" type="datetimeFigureOut">
               <a:rPr lang="ru-RU" smtClean="0"/>
-              <a:t>15.06.2018</a:t>
+              <a:t>16.06.2018</a:t>
             </a:fld>
             <a:endParaRPr lang="ru-RU"/>
           </a:p>
@@ -2745,7 +2745,7 @@
           <a:p>
             <a:fld id="{C14F4D0B-68E4-4C14-BD4D-319F9BD213A3}" type="datetimeFigureOut">
               <a:rPr lang="ru-RU" smtClean="0"/>
-              <a:t>15.06.2018</a:t>
+              <a:t>16.06.2018</a:t>
             </a:fld>
             <a:endParaRPr lang="ru-RU"/>
           </a:p>
@@ -3092,7 +3092,7 @@
           <a:p>
             <a:fld id="{C14F4D0B-68E4-4C14-BD4D-319F9BD213A3}" type="datetimeFigureOut">
               <a:rPr lang="ru-RU" smtClean="0"/>
-              <a:t>15.06.2018</a:t>
+              <a:t>16.06.2018</a:t>
             </a:fld>
             <a:endParaRPr lang="ru-RU"/>
           </a:p>
@@ -3210,7 +3210,7 @@
           <a:p>
             <a:fld id="{C14F4D0B-68E4-4C14-BD4D-319F9BD213A3}" type="datetimeFigureOut">
               <a:rPr lang="ru-RU" smtClean="0"/>
-              <a:t>15.06.2018</a:t>
+              <a:t>16.06.2018</a:t>
             </a:fld>
             <a:endParaRPr lang="ru-RU"/>
           </a:p>
@@ -3328,7 +3328,7 @@
           <a:p>
             <a:fld id="{C14F4D0B-68E4-4C14-BD4D-319F9BD213A3}" type="datetimeFigureOut">
               <a:rPr lang="ru-RU" smtClean="0"/>
-              <a:t>15.06.2018</a:t>
+              <a:t>16.06.2018</a:t>
             </a:fld>
             <a:endParaRPr lang="ru-RU"/>
           </a:p>
@@ -3612,7 +3612,7 @@
           <a:p>
             <a:fld id="{C14F4D0B-68E4-4C14-BD4D-319F9BD213A3}" type="datetimeFigureOut">
               <a:rPr lang="ru-RU" smtClean="0"/>
-              <a:t>15.06.2018</a:t>
+              <a:t>16.06.2018</a:t>
             </a:fld>
             <a:endParaRPr lang="ru-RU"/>
           </a:p>
@@ -3876,7 +3876,7 @@
           <a:p>
             <a:fld id="{C14F4D0B-68E4-4C14-BD4D-319F9BD213A3}" type="datetimeFigureOut">
               <a:rPr lang="ru-RU" smtClean="0"/>
-              <a:t>15.06.2018</a:t>
+              <a:t>16.06.2018</a:t>
             </a:fld>
             <a:endParaRPr lang="ru-RU"/>
           </a:p>
@@ -4090,7 +4090,7 @@
           <a:p>
             <a:fld id="{C14F4D0B-68E4-4C14-BD4D-319F9BD213A3}" type="datetimeFigureOut">
               <a:rPr lang="ru-RU" smtClean="0"/>
-              <a:t>15.06.2018</a:t>
+              <a:t>16.06.2018</a:t>
             </a:fld>
             <a:endParaRPr lang="ru-RU"/>
           </a:p>
@@ -4741,7 +4741,7 @@
         <p:spPr>
           <a:xfrm>
             <a:off x="300524" y="1030293"/>
-            <a:ext cx="7752907" cy="4339650"/>
+            <a:ext cx="7752907" cy="3785652"/>
           </a:xfrm>
           <a:prstGeom prst="rect">
             <a:avLst/>
@@ -4771,16 +4771,16 @@
           </a:p>
           <a:p>
             <a:r>
-              <a:rPr lang="en-US" sz="2400" dirty="0" smtClean="0">
-                <a:sym typeface="Wingdings" panose="05000000000000000000" pitchFamily="2" charset="2"/>
-              </a:rPr>
-              <a:t>1) </a:t>
-            </a:r>
-            <a:r>
               <a:rPr lang="ru-RU" sz="2400" dirty="0" smtClean="0">
                 <a:sym typeface="Wingdings" panose="05000000000000000000" pitchFamily="2" charset="2"/>
               </a:rPr>
-              <a:t>Выполнить домашнее задание прошлого урока :-Р</a:t>
+              <a:t>Выполнить </a:t>
+            </a:r>
+            <a:r>
+              <a:rPr lang="ru-RU" sz="2400" dirty="0" smtClean="0">
+                <a:sym typeface="Wingdings" panose="05000000000000000000" pitchFamily="2" charset="2"/>
+              </a:rPr>
+              <a:t>домашнее задание прошлого урока :-Р</a:t>
             </a:r>
             <a:endParaRPr lang="en-US" sz="2400" dirty="0" smtClean="0">
               <a:sym typeface="Wingdings" panose="05000000000000000000" pitchFamily="2" charset="2"/>
@@ -4820,44 +4820,6 @@
             <a:endParaRPr lang="en-US" sz="2400" dirty="0">
               <a:sym typeface="Wingdings" panose="05000000000000000000" pitchFamily="2" charset="2"/>
             </a:endParaRPr>
-          </a:p>
-          <a:p>
-            <a:r>
-              <a:rPr lang="en-US" dirty="0" smtClean="0"/>
-              <a:t>2) </a:t>
-            </a:r>
-            <a:r>
-              <a:rPr lang="ru-RU" dirty="0" smtClean="0"/>
-              <a:t>Установить </a:t>
-            </a:r>
-            <a:r>
-              <a:rPr lang="en-US" dirty="0" err="1" smtClean="0"/>
-              <a:t>MySql</a:t>
-            </a:r>
-            <a:r>
-              <a:rPr lang="en-US" dirty="0"/>
-              <a:t> </a:t>
-            </a:r>
-            <a:r>
-              <a:rPr lang="en-US" dirty="0" smtClean="0"/>
-              <a:t>server</a:t>
-            </a:r>
-            <a:r>
-              <a:rPr lang="ru-RU" dirty="0" smtClean="0"/>
-              <a:t> и </a:t>
-            </a:r>
-            <a:r>
-              <a:rPr lang="en-US" dirty="0" err="1" smtClean="0"/>
-              <a:t>WorkBench</a:t>
-            </a:r>
-            <a:endParaRPr lang="en-US" dirty="0" smtClean="0"/>
-          </a:p>
-          <a:p>
-            <a:r>
-              <a:rPr lang="en-US" dirty="0"/>
-              <a:t>https://dev.mysql.com/downloads/installer/</a:t>
-            </a:r>
-            <a:endParaRPr lang="ru-RU" dirty="0" smtClean="0"/>
           </a:p>
         </p:txBody>
       </p:sp>
@@ -5579,7 +5541,19 @@
           <a:p>
             <a:r>
               <a:rPr lang="ru-RU" sz="2400" dirty="0" smtClean="0"/>
-              <a:t>4) Построить гистограмму зависимости дня недели от средней задержки рейса в этот день</a:t>
+              <a:t>4) </a:t>
+            </a:r>
+            <a:r>
+              <a:rPr lang="ru-RU" sz="2400" smtClean="0"/>
+              <a:t>Построить </a:t>
+            </a:r>
+            <a:r>
+              <a:rPr lang="ru-RU" sz="2400" smtClean="0"/>
+              <a:t>график </a:t>
+            </a:r>
+            <a:r>
+              <a:rPr lang="ru-RU" sz="2400" dirty="0" smtClean="0"/>
+              <a:t>зависимости дня недели от средней задержки рейса в этот день</a:t>
             </a:r>
             <a:endParaRPr lang="ru-RU" dirty="0"/>
           </a:p>

--- a/Data Science/DS-Day-12 R.pptx
+++ b/Data Science/DS-Day-12 R.pptx
@@ -4774,13 +4774,7 @@
               <a:rPr lang="ru-RU" sz="2400" dirty="0" smtClean="0">
                 <a:sym typeface="Wingdings" panose="05000000000000000000" pitchFamily="2" charset="2"/>
               </a:rPr>
-              <a:t>Выполнить </a:t>
-            </a:r>
-            <a:r>
-              <a:rPr lang="ru-RU" sz="2400" dirty="0" smtClean="0">
-                <a:sym typeface="Wingdings" panose="05000000000000000000" pitchFamily="2" charset="2"/>
-              </a:rPr>
-              <a:t>домашнее задание прошлого урока :-Р</a:t>
+              <a:t>Выполнить домашнее задание прошлого урока :-Р</a:t>
             </a:r>
             <a:endParaRPr lang="en-US" sz="2400" dirty="0" smtClean="0">
               <a:sym typeface="Wingdings" panose="05000000000000000000" pitchFamily="2" charset="2"/>
@@ -5529,7 +5523,23 @@
             </a:r>
             <a:r>
               <a:rPr lang="ru-RU" sz="2400" dirty="0" smtClean="0"/>
-              <a:t>Посчитать среднюю задержку рейса</a:t>
+              <a:t>Посчитать среднюю </a:t>
+            </a:r>
+            <a:r>
+              <a:rPr lang="ru-RU" sz="2400" dirty="0" smtClean="0"/>
+              <a:t>задержку</a:t>
+            </a:r>
+            <a:r>
+              <a:rPr lang="en-US" sz="2400" dirty="0" smtClean="0"/>
+              <a:t> </a:t>
+            </a:r>
+            <a:r>
+              <a:rPr lang="ru-RU" sz="2400" dirty="0" smtClean="0"/>
+              <a:t>прибытия </a:t>
+            </a:r>
+            <a:r>
+              <a:rPr lang="ru-RU" sz="2400" dirty="0" smtClean="0"/>
+              <a:t>рейса</a:t>
             </a:r>
           </a:p>
           <a:p>
@@ -5541,19 +5551,7 @@
           <a:p>
             <a:r>
               <a:rPr lang="ru-RU" sz="2400" dirty="0" smtClean="0"/>
-              <a:t>4) </a:t>
-            </a:r>
-            <a:r>
-              <a:rPr lang="ru-RU" sz="2400" smtClean="0"/>
-              <a:t>Построить </a:t>
-            </a:r>
-            <a:r>
-              <a:rPr lang="ru-RU" sz="2400" smtClean="0"/>
-              <a:t>график </a:t>
-            </a:r>
-            <a:r>
-              <a:rPr lang="ru-RU" sz="2400" dirty="0" smtClean="0"/>
-              <a:t>зависимости дня недели от средней задержки рейса в этот день</a:t>
+              <a:t>4) Построить график зависимости дня недели от средней задержки рейса в этот день</a:t>
             </a:r>
             <a:endParaRPr lang="ru-RU" dirty="0"/>
           </a:p>
@@ -5567,7 +5565,7 @@
             </a:r>
             <a:r>
               <a:rPr lang="en-US" dirty="0"/>
-              <a:t>https://docs.microsoft.com/en-us/machine-learning-server/r-reference/revoscaler</a:t>
+              <a:t>https://docs.microsoft.com/en-us/machine-learning-server/r-reference/revoscaler/revoscaler</a:t>
             </a:r>
             <a:endParaRPr lang="ru-RU" dirty="0" smtClean="0"/>
           </a:p>
@@ -7529,7 +7527,7 @@
         <p:spPr>
           <a:xfrm>
             <a:off x="300524" y="1030293"/>
-            <a:ext cx="7752907" cy="2585323"/>
+            <a:ext cx="7752907" cy="4062651"/>
           </a:xfrm>
           <a:prstGeom prst="rect">
             <a:avLst/>
@@ -7571,11 +7569,37 @@
             </a:pPr>
             <a:r>
               <a:rPr lang="ru-RU" sz="2400" dirty="0" smtClean="0"/>
-              <a:t>Вывести столбчатую диаграмму по количеству всех проданных продуктов, указав </a:t>
-            </a:r>
-            <a:r>
-              <a:rPr lang="ru-RU" sz="2400" smtClean="0"/>
-              <a:t>их название.</a:t>
+              <a:t>Вывести столбчатую диаграмму по количеству всех проданных продуктов, указав их название</a:t>
+            </a:r>
+            <a:r>
+              <a:rPr lang="ru-RU" sz="2400" dirty="0" smtClean="0"/>
+              <a:t>.</a:t>
+            </a:r>
+            <a:r>
+              <a:rPr lang="en-US" sz="2400" dirty="0" smtClean="0"/>
+              <a:t> </a:t>
+            </a:r>
+            <a:r>
+              <a:rPr lang="ru-RU" sz="2400" dirty="0" smtClean="0"/>
+              <a:t>Учитывать 20 наиболее продаваемых позиций.</a:t>
+            </a:r>
+            <a:endParaRPr lang="en-US" sz="2400" dirty="0" smtClean="0"/>
+          </a:p>
+          <a:p>
+            <a:pPr marL="342900" indent="-342900">
+              <a:buAutoNum type="arabicParenR"/>
+            </a:pPr>
+            <a:r>
+              <a:rPr lang="ru-RU" sz="2400" dirty="0" smtClean="0"/>
+              <a:t>Построить </a:t>
+            </a:r>
+            <a:r>
+              <a:rPr lang="en-US" sz="2400" dirty="0" smtClean="0"/>
+              <a:t>scatterplot </a:t>
+            </a:r>
+            <a:r>
+              <a:rPr lang="ru-RU" sz="2400" dirty="0" smtClean="0"/>
+              <a:t>и линейную модель зависимости кредитного лимита заказчика от количества его заказов.</a:t>
             </a:r>
             <a:endParaRPr lang="ru-RU" dirty="0"/>
           </a:p>
